--- a/3253 Project Presentation.pptx
+++ b/3253 Project Presentation.pptx
@@ -120,35 +120,6 @@
     </p:ext>
   </p:extLst>
 </p:presentation>
-</file>
-
-<file path=ppt/changesInfos/changesInfo1.xml><?xml version="1.0" encoding="utf-8"?>
-<pc:chgInfo xmlns:a="http://schemas.openxmlformats.org/drawingml/2006/main" xmlns:r="http://schemas.openxmlformats.org/officeDocument/2006/relationships" xmlns:ac="http://schemas.microsoft.com/office/drawing/2013/main/command" xmlns:pc="http://schemas.microsoft.com/office/powerpoint/2013/main/command">
-  <pc:docChgLst>
-    <pc:chgData name="Abhishek Najbile" userId="3706b799a7ac74bf" providerId="LiveId" clId="{00DE653E-998F-4FB1-949A-8A315D3DE49D}"/>
-    <pc:docChg chg="modSld">
-      <pc:chgData name="Abhishek Najbile" userId="3706b799a7ac74bf" providerId="LiveId" clId="{00DE653E-998F-4FB1-949A-8A315D3DE49D}" dt="2019-08-21T02:14:22.763" v="4" actId="20577"/>
-      <pc:docMkLst>
-        <pc:docMk/>
-      </pc:docMkLst>
-      <pc:sldChg chg="modSp">
-        <pc:chgData name="Abhishek Najbile" userId="3706b799a7ac74bf" providerId="LiveId" clId="{00DE653E-998F-4FB1-949A-8A315D3DE49D}" dt="2019-08-21T02:14:22.763" v="4" actId="20577"/>
-        <pc:sldMkLst>
-          <pc:docMk/>
-          <pc:sldMk cId="4159861585" sldId="260"/>
-        </pc:sldMkLst>
-        <pc:spChg chg="mod">
-          <ac:chgData name="Abhishek Najbile" userId="3706b799a7ac74bf" providerId="LiveId" clId="{00DE653E-998F-4FB1-949A-8A315D3DE49D}" dt="2019-08-21T02:14:22.763" v="4" actId="20577"/>
-          <ac:spMkLst>
-            <pc:docMk/>
-            <pc:sldMk cId="4159861585" sldId="260"/>
-            <ac:spMk id="8" creationId="{EC013198-4064-4BB4-984A-78A93517924D}"/>
-          </ac:spMkLst>
-        </pc:spChg>
-      </pc:sldChg>
-    </pc:docChg>
-  </pc:docChgLst>
-</pc:chgInfo>
 </file>
 
 <file path=ppt/slideLayouts/slideLayout1.xml><?xml version="1.0" encoding="utf-8"?>
@@ -4427,7 +4398,7 @@
           <a:p>
             <a:fld id="{48A87A34-81AB-432B-8DAE-1953F412C126}" type="datetimeFigureOut">
               <a:rPr lang="en-US" dirty="0"/>
-              <a:t>8/20/2019</a:t>
+              <a:t>8/21/19</a:t>
             </a:fld>
             <a:endParaRPr lang="en-US" dirty="0"/>
           </a:p>
@@ -4689,7 +4660,7 @@
           <a:p>
             <a:fld id="{48A87A34-81AB-432B-8DAE-1953F412C126}" type="datetimeFigureOut">
               <a:rPr lang="en-US" dirty="0"/>
-              <a:t>8/20/2019</a:t>
+              <a:t>8/21/19</a:t>
             </a:fld>
             <a:endParaRPr lang="en-US" dirty="0"/>
           </a:p>
@@ -4880,7 +4851,7 @@
           <a:p>
             <a:fld id="{48A87A34-81AB-432B-8DAE-1953F412C126}" type="datetimeFigureOut">
               <a:rPr lang="en-US" dirty="0"/>
-              <a:t>8/20/2019</a:t>
+              <a:t>8/21/19</a:t>
             </a:fld>
             <a:endParaRPr lang="en-US" dirty="0"/>
           </a:p>
@@ -5138,7 +5109,7 @@
           <a:p>
             <a:fld id="{48A87A34-81AB-432B-8DAE-1953F412C126}" type="datetimeFigureOut">
               <a:rPr lang="en-US" dirty="0"/>
-              <a:t>8/20/2019</a:t>
+              <a:t>8/21/19</a:t>
             </a:fld>
             <a:endParaRPr lang="en-US" dirty="0"/>
           </a:p>
@@ -5567,7 +5538,7 @@
           <a:p>
             <a:fld id="{48A87A34-81AB-432B-8DAE-1953F412C126}" type="datetimeFigureOut">
               <a:rPr lang="en-US" dirty="0"/>
-              <a:t>8/20/2019</a:t>
+              <a:t>8/21/19</a:t>
             </a:fld>
             <a:endParaRPr lang="en-US" dirty="0"/>
           </a:p>
@@ -6108,7 +6079,7 @@
           <a:p>
             <a:fld id="{48A87A34-81AB-432B-8DAE-1953F412C126}" type="datetimeFigureOut">
               <a:rPr lang="en-US" dirty="0"/>
-              <a:t>8/20/2019</a:t>
+              <a:t>8/21/19</a:t>
             </a:fld>
             <a:endParaRPr lang="en-US" dirty="0"/>
           </a:p>
@@ -6823,7 +6794,7 @@
           <a:p>
             <a:fld id="{48A87A34-81AB-432B-8DAE-1953F412C126}" type="datetimeFigureOut">
               <a:rPr lang="en-US" dirty="0"/>
-              <a:t>8/20/2019</a:t>
+              <a:t>8/21/19</a:t>
             </a:fld>
             <a:endParaRPr lang="en-US" dirty="0"/>
           </a:p>
@@ -6988,7 +6959,7 @@
           <a:p>
             <a:fld id="{48A87A34-81AB-432B-8DAE-1953F412C126}" type="datetimeFigureOut">
               <a:rPr lang="en-US" dirty="0"/>
-              <a:t>8/20/2019</a:t>
+              <a:t>8/21/19</a:t>
             </a:fld>
             <a:endParaRPr lang="en-US" dirty="0"/>
           </a:p>
@@ -7163,7 +7134,7 @@
           <a:p>
             <a:fld id="{48A87A34-81AB-432B-8DAE-1953F412C126}" type="datetimeFigureOut">
               <a:rPr lang="en-US" dirty="0"/>
-              <a:t>8/20/2019</a:t>
+              <a:t>8/21/19</a:t>
             </a:fld>
             <a:endParaRPr lang="en-US" dirty="0"/>
           </a:p>
@@ -7328,7 +7299,7 @@
           <a:p>
             <a:fld id="{48A87A34-81AB-432B-8DAE-1953F412C126}" type="datetimeFigureOut">
               <a:rPr lang="en-US" dirty="0"/>
-              <a:t>8/20/2019</a:t>
+              <a:t>8/21/19</a:t>
             </a:fld>
             <a:endParaRPr lang="en-US" dirty="0"/>
           </a:p>
@@ -7573,7 +7544,7 @@
           <a:p>
             <a:fld id="{48A87A34-81AB-432B-8DAE-1953F412C126}" type="datetimeFigureOut">
               <a:rPr lang="en-US" dirty="0"/>
-              <a:t>8/20/2019</a:t>
+              <a:t>8/21/19</a:t>
             </a:fld>
             <a:endParaRPr lang="en-US" dirty="0"/>
           </a:p>
@@ -7800,7 +7771,7 @@
           <a:p>
             <a:fld id="{48A87A34-81AB-432B-8DAE-1953F412C126}" type="datetimeFigureOut">
               <a:rPr lang="en-US" dirty="0"/>
-              <a:t>8/20/2019</a:t>
+              <a:t>8/21/19</a:t>
             </a:fld>
             <a:endParaRPr lang="en-US" dirty="0"/>
           </a:p>
@@ -8176,7 +8147,7 @@
           <a:p>
             <a:fld id="{48A87A34-81AB-432B-8DAE-1953F412C126}" type="datetimeFigureOut">
               <a:rPr lang="en-US" dirty="0"/>
-              <a:t>8/20/2019</a:t>
+              <a:t>8/21/19</a:t>
             </a:fld>
             <a:endParaRPr lang="en-US" dirty="0"/>
           </a:p>
@@ -8289,7 +8260,7 @@
           <a:p>
             <a:fld id="{48A87A34-81AB-432B-8DAE-1953F412C126}" type="datetimeFigureOut">
               <a:rPr lang="en-US" dirty="0"/>
-              <a:t>8/20/2019</a:t>
+              <a:t>8/21/19</a:t>
             </a:fld>
             <a:endParaRPr lang="en-US" dirty="0"/>
           </a:p>
@@ -8379,7 +8350,7 @@
           <a:p>
             <a:fld id="{48A87A34-81AB-432B-8DAE-1953F412C126}" type="datetimeFigureOut">
               <a:rPr lang="en-US" dirty="0"/>
-              <a:t>8/20/2019</a:t>
+              <a:t>8/21/19</a:t>
             </a:fld>
             <a:endParaRPr lang="en-US" dirty="0"/>
           </a:p>
@@ -8623,7 +8594,7 @@
           <a:p>
             <a:fld id="{48A87A34-81AB-432B-8DAE-1953F412C126}" type="datetimeFigureOut">
               <a:rPr lang="en-US" dirty="0"/>
-              <a:t>8/20/2019</a:t>
+              <a:t>8/21/19</a:t>
             </a:fld>
             <a:endParaRPr lang="en-US" dirty="0"/>
           </a:p>
@@ -8898,7 +8869,7 @@
           <a:p>
             <a:fld id="{48A87A34-81AB-432B-8DAE-1953F412C126}" type="datetimeFigureOut">
               <a:rPr lang="en-US" dirty="0"/>
-              <a:t>8/20/2019</a:t>
+              <a:t>8/21/19</a:t>
             </a:fld>
             <a:endParaRPr lang="en-US" dirty="0"/>
           </a:p>
@@ -11971,7 +11942,7 @@
             <a:fld id="{48A87A34-81AB-432B-8DAE-1953F412C126}" type="datetimeFigureOut">
               <a:rPr lang="en-US" dirty="0"/>
               <a:pPr/>
-              <a:t>8/20/2019</a:t>
+              <a:t>8/21/19</a:t>
             </a:fld>
             <a:endParaRPr lang="en-US" dirty="0"/>
           </a:p>
@@ -17174,23 +17145,7 @@
                   <a:srgbClr val="FFFFFF"/>
                 </a:solidFill>
               </a:rPr>
-              <a:t>The labels are from </a:t>
-            </a:r>
-            <a:r>
-              <a:rPr lang="en-US" sz="1800">
-                <a:solidFill>
-                  <a:srgbClr val="FFFFFF"/>
-                </a:solidFill>
-              </a:rPr>
-              <a:t>the train </a:t>
-            </a:r>
-            <a:r>
-              <a:rPr lang="en-US" sz="1800" dirty="0">
-                <a:solidFill>
-                  <a:srgbClr val="FFFFFF"/>
-                </a:solidFill>
-              </a:rPr>
-              <a:t>dataset and we can see that it is very imbalanced</a:t>
+              <a:t>The labels are from the test dataset and we can see that it is very imbalanced</a:t>
             </a:r>
           </a:p>
         </p:txBody>
@@ -17363,8 +17318,8 @@
               </a:buClr>
             </a:pPr>
             <a:r>
-              <a:rPr lang="en-CA" sz="2800" spc="-1" dirty="0" err="1"/>
-              <a:t>ImageDateGenerator</a:t>
+              <a:rPr lang="en-CA" sz="2800" spc="-1"/>
+              <a:t>ImageDataGenerator</a:t>
             </a:r>
             <a:r>
               <a:rPr lang="en-CA" sz="2800" spc="-1" dirty="0"/>
